--- a/99_進捗・会議用/パワポ/pptx/SilenceFujita考案 AnarchyCars.pptx
+++ b/99_進捗・会議用/パワポ/pptx/SilenceFujita考案 AnarchyCars.pptx
@@ -255,7 +255,7 @@
           <a:p>
             <a:fld id="{4243B9F3-7FF2-4191-A3DF-6D4F95FF8DB0}" type="datetimeFigureOut">
               <a:rPr kumimoji="1" lang="ja-JP" altLang="en-US" smtClean="0"/>
-              <a:t>2022/12/15</a:t>
+              <a:t>2023/3/27</a:t>
             </a:fld>
             <a:endParaRPr kumimoji="1" lang="ja-JP" altLang="en-US"/>
           </a:p>
@@ -457,7 +457,7 @@
           <a:p>
             <a:fld id="{4243B9F3-7FF2-4191-A3DF-6D4F95FF8DB0}" type="datetimeFigureOut">
               <a:rPr kumimoji="1" lang="ja-JP" altLang="en-US" smtClean="0"/>
-              <a:t>2022/12/15</a:t>
+              <a:t>2023/3/27</a:t>
             </a:fld>
             <a:endParaRPr kumimoji="1" lang="ja-JP" altLang="en-US"/>
           </a:p>
@@ -669,7 +669,7 @@
           <a:p>
             <a:fld id="{4243B9F3-7FF2-4191-A3DF-6D4F95FF8DB0}" type="datetimeFigureOut">
               <a:rPr kumimoji="1" lang="ja-JP" altLang="en-US" smtClean="0"/>
-              <a:t>2022/12/15</a:t>
+              <a:t>2023/3/27</a:t>
             </a:fld>
             <a:endParaRPr kumimoji="1" lang="ja-JP" altLang="en-US"/>
           </a:p>
@@ -871,7 +871,7 @@
           <a:p>
             <a:fld id="{4243B9F3-7FF2-4191-A3DF-6D4F95FF8DB0}" type="datetimeFigureOut">
               <a:rPr kumimoji="1" lang="ja-JP" altLang="en-US" smtClean="0"/>
-              <a:t>2022/12/15</a:t>
+              <a:t>2023/3/27</a:t>
             </a:fld>
             <a:endParaRPr kumimoji="1" lang="ja-JP" altLang="en-US"/>
           </a:p>
@@ -1115,7 +1115,7 @@
           <a:p>
             <a:fld id="{4243B9F3-7FF2-4191-A3DF-6D4F95FF8DB0}" type="datetimeFigureOut">
               <a:rPr kumimoji="1" lang="ja-JP" altLang="en-US" smtClean="0"/>
-              <a:t>2022/12/15</a:t>
+              <a:t>2023/3/27</a:t>
             </a:fld>
             <a:endParaRPr kumimoji="1" lang="ja-JP" altLang="en-US"/>
           </a:p>
@@ -1411,7 +1411,7 @@
           <a:p>
             <a:fld id="{4243B9F3-7FF2-4191-A3DF-6D4F95FF8DB0}" type="datetimeFigureOut">
               <a:rPr kumimoji="1" lang="ja-JP" altLang="en-US" smtClean="0"/>
-              <a:t>2022/12/15</a:t>
+              <a:t>2023/3/27</a:t>
             </a:fld>
             <a:endParaRPr kumimoji="1" lang="ja-JP" altLang="en-US"/>
           </a:p>
@@ -1842,7 +1842,7 @@
           <a:p>
             <a:fld id="{4243B9F3-7FF2-4191-A3DF-6D4F95FF8DB0}" type="datetimeFigureOut">
               <a:rPr kumimoji="1" lang="ja-JP" altLang="en-US" smtClean="0"/>
-              <a:t>2022/12/15</a:t>
+              <a:t>2023/3/27</a:t>
             </a:fld>
             <a:endParaRPr kumimoji="1" lang="ja-JP" altLang="en-US"/>
           </a:p>
@@ -1960,7 +1960,7 @@
           <a:p>
             <a:fld id="{4243B9F3-7FF2-4191-A3DF-6D4F95FF8DB0}" type="datetimeFigureOut">
               <a:rPr kumimoji="1" lang="ja-JP" altLang="en-US" smtClean="0"/>
-              <a:t>2022/12/15</a:t>
+              <a:t>2023/3/27</a:t>
             </a:fld>
             <a:endParaRPr kumimoji="1" lang="ja-JP" altLang="en-US"/>
           </a:p>
@@ -2055,7 +2055,7 @@
           <a:p>
             <a:fld id="{4243B9F3-7FF2-4191-A3DF-6D4F95FF8DB0}" type="datetimeFigureOut">
               <a:rPr kumimoji="1" lang="ja-JP" altLang="en-US" smtClean="0"/>
-              <a:t>2022/12/15</a:t>
+              <a:t>2023/3/27</a:t>
             </a:fld>
             <a:endParaRPr kumimoji="1" lang="ja-JP" altLang="en-US"/>
           </a:p>
@@ -2364,7 +2364,7 @@
           <a:p>
             <a:fld id="{4243B9F3-7FF2-4191-A3DF-6D4F95FF8DB0}" type="datetimeFigureOut">
               <a:rPr kumimoji="1" lang="ja-JP" altLang="en-US" smtClean="0"/>
-              <a:t>2022/12/15</a:t>
+              <a:t>2023/3/27</a:t>
             </a:fld>
             <a:endParaRPr kumimoji="1" lang="ja-JP" altLang="en-US"/>
           </a:p>
@@ -2621,7 +2621,7 @@
           <a:p>
             <a:fld id="{4243B9F3-7FF2-4191-A3DF-6D4F95FF8DB0}" type="datetimeFigureOut">
               <a:rPr kumimoji="1" lang="ja-JP" altLang="en-US" smtClean="0"/>
-              <a:t>2022/12/15</a:t>
+              <a:t>2023/3/27</a:t>
             </a:fld>
             <a:endParaRPr kumimoji="1" lang="ja-JP" altLang="en-US"/>
           </a:p>
@@ -2866,7 +2866,7 @@
           <a:p>
             <a:fld id="{4243B9F3-7FF2-4191-A3DF-6D4F95FF8DB0}" type="datetimeFigureOut">
               <a:rPr kumimoji="1" lang="ja-JP" altLang="en-US" smtClean="0"/>
-              <a:t>2022/12/15</a:t>
+              <a:t>2023/3/27</a:t>
             </a:fld>
             <a:endParaRPr kumimoji="1" lang="ja-JP" altLang="en-US"/>
           </a:p>
